--- a/Aitor_Tercero_DAM.pptx
+++ b/Aitor_Tercero_DAM.pptx
@@ -113,6 +113,11 @@
       </a:defRPr>
     </a:lvl9pPr>
   </p:defaultTextStyle>
+  <p:extLst>
+    <p:ext uri="{EFAFB233-063F-42B5-8137-9DF3F51BA10A}">
+      <p15:sldGuideLst xmlns:p15="http://schemas.microsoft.com/office/powerpoint/2012/main"/>
+    </p:ext>
+  </p:extLst>
 </p:presentation>
 </file>
 
@@ -275,7 +280,7 @@
           <a:p>
             <a:fld id="{412F8D47-3C15-4B86-9E23-08A3E47F8042}" type="datetimeFigureOut">
               <a:rPr lang="es-ES" smtClean="0"/>
-              <a:t>05/06/2022</a:t>
+              <a:t>07/06/2022</a:t>
             </a:fld>
             <a:endParaRPr lang="es-ES"/>
           </a:p>
@@ -473,7 +478,7 @@
           <a:p>
             <a:fld id="{412F8D47-3C15-4B86-9E23-08A3E47F8042}" type="datetimeFigureOut">
               <a:rPr lang="es-ES" smtClean="0"/>
-              <a:t>05/06/2022</a:t>
+              <a:t>07/06/2022</a:t>
             </a:fld>
             <a:endParaRPr lang="es-ES"/>
           </a:p>
@@ -681,7 +686,7 @@
           <a:p>
             <a:fld id="{412F8D47-3C15-4B86-9E23-08A3E47F8042}" type="datetimeFigureOut">
               <a:rPr lang="es-ES" smtClean="0"/>
-              <a:t>05/06/2022</a:t>
+              <a:t>07/06/2022</a:t>
             </a:fld>
             <a:endParaRPr lang="es-ES"/>
           </a:p>
@@ -879,7 +884,7 @@
           <a:p>
             <a:fld id="{412F8D47-3C15-4B86-9E23-08A3E47F8042}" type="datetimeFigureOut">
               <a:rPr lang="es-ES" smtClean="0"/>
-              <a:t>05/06/2022</a:t>
+              <a:t>07/06/2022</a:t>
             </a:fld>
             <a:endParaRPr lang="es-ES"/>
           </a:p>
@@ -1154,7 +1159,7 @@
           <a:p>
             <a:fld id="{412F8D47-3C15-4B86-9E23-08A3E47F8042}" type="datetimeFigureOut">
               <a:rPr lang="es-ES" smtClean="0"/>
-              <a:t>05/06/2022</a:t>
+              <a:t>07/06/2022</a:t>
             </a:fld>
             <a:endParaRPr lang="es-ES"/>
           </a:p>
@@ -1419,7 +1424,7 @@
           <a:p>
             <a:fld id="{412F8D47-3C15-4B86-9E23-08A3E47F8042}" type="datetimeFigureOut">
               <a:rPr lang="es-ES" smtClean="0"/>
-              <a:t>05/06/2022</a:t>
+              <a:t>07/06/2022</a:t>
             </a:fld>
             <a:endParaRPr lang="es-ES"/>
           </a:p>
@@ -1831,7 +1836,7 @@
           <a:p>
             <a:fld id="{412F8D47-3C15-4B86-9E23-08A3E47F8042}" type="datetimeFigureOut">
               <a:rPr lang="es-ES" smtClean="0"/>
-              <a:t>05/06/2022</a:t>
+              <a:t>07/06/2022</a:t>
             </a:fld>
             <a:endParaRPr lang="es-ES"/>
           </a:p>
@@ -1972,7 +1977,7 @@
           <a:p>
             <a:fld id="{412F8D47-3C15-4B86-9E23-08A3E47F8042}" type="datetimeFigureOut">
               <a:rPr lang="es-ES" smtClean="0"/>
-              <a:t>05/06/2022</a:t>
+              <a:t>07/06/2022</a:t>
             </a:fld>
             <a:endParaRPr lang="es-ES"/>
           </a:p>
@@ -2085,7 +2090,7 @@
           <a:p>
             <a:fld id="{412F8D47-3C15-4B86-9E23-08A3E47F8042}" type="datetimeFigureOut">
               <a:rPr lang="es-ES" smtClean="0"/>
-              <a:t>05/06/2022</a:t>
+              <a:t>07/06/2022</a:t>
             </a:fld>
             <a:endParaRPr lang="es-ES"/>
           </a:p>
@@ -2396,7 +2401,7 @@
           <a:p>
             <a:fld id="{412F8D47-3C15-4B86-9E23-08A3E47F8042}" type="datetimeFigureOut">
               <a:rPr lang="es-ES" smtClean="0"/>
-              <a:t>05/06/2022</a:t>
+              <a:t>07/06/2022</a:t>
             </a:fld>
             <a:endParaRPr lang="es-ES"/>
           </a:p>
@@ -2684,7 +2689,7 @@
           <a:p>
             <a:fld id="{412F8D47-3C15-4B86-9E23-08A3E47F8042}" type="datetimeFigureOut">
               <a:rPr lang="es-ES" smtClean="0"/>
-              <a:t>05/06/2022</a:t>
+              <a:t>07/06/2022</a:t>
             </a:fld>
             <a:endParaRPr lang="es-ES"/>
           </a:p>
@@ -2930,7 +2935,7 @@
           <a:p>
             <a:fld id="{412F8D47-3C15-4B86-9E23-08A3E47F8042}" type="datetimeFigureOut">
               <a:rPr lang="es-ES" smtClean="0"/>
-              <a:t>05/06/2022</a:t>
+              <a:t>07/06/2022</a:t>
             </a:fld>
             <a:endParaRPr lang="es-ES"/>
           </a:p>
@@ -4356,49 +4361,7 @@
                 <a:latin typeface="Arial" panose="020B0604020202020204" pitchFamily="34" charset="0"/>
                 <a:cs typeface="Arial" panose="020B0604020202020204" pitchFamily="34" charset="0"/>
               </a:rPr>
-              <a:t>En mi caso la base de datos empleada es Supabase, que es una base de datos gratuita, y lo que hay que hacer para conectar con el proyecto de Angular es acceder al  archivo </a:t>
-            </a:r>
-            <a:r>
-              <a:rPr lang="es-ES" sz="2500" dirty="0" err="1">
-                <a:latin typeface="Arial" panose="020B0604020202020204" pitchFamily="34" charset="0"/>
-                <a:cs typeface="Arial" panose="020B0604020202020204" pitchFamily="34" charset="0"/>
-              </a:rPr>
-              <a:t>environments.ts</a:t>
-            </a:r>
-            <a:r>
-              <a:rPr lang="es-ES" sz="2500" dirty="0">
-                <a:latin typeface="Arial" panose="020B0604020202020204" pitchFamily="34" charset="0"/>
-                <a:cs typeface="Arial" panose="020B0604020202020204" pitchFamily="34" charset="0"/>
-              </a:rPr>
-              <a:t>, donde declaras la </a:t>
-            </a:r>
-            <a:r>
-              <a:rPr lang="es-ES" sz="2500" dirty="0" err="1">
-                <a:latin typeface="Arial" panose="020B0604020202020204" pitchFamily="34" charset="0"/>
-                <a:cs typeface="Arial" panose="020B0604020202020204" pitchFamily="34" charset="0"/>
-              </a:rPr>
-              <a:t>publickey</a:t>
-            </a:r>
-            <a:r>
-              <a:rPr lang="es-ES" sz="2500" dirty="0">
-                <a:latin typeface="Arial" panose="020B0604020202020204" pitchFamily="34" charset="0"/>
-                <a:cs typeface="Arial" panose="020B0604020202020204" pitchFamily="34" charset="0"/>
-              </a:rPr>
-              <a:t> y la </a:t>
-            </a:r>
-            <a:r>
-              <a:rPr lang="es-ES" sz="2500" dirty="0" err="1">
-                <a:latin typeface="Arial" panose="020B0604020202020204" pitchFamily="34" charset="0"/>
-                <a:cs typeface="Arial" panose="020B0604020202020204" pitchFamily="34" charset="0"/>
-              </a:rPr>
-              <a:t>url</a:t>
-            </a:r>
-            <a:r>
-              <a:rPr lang="es-ES" sz="2500" dirty="0">
-                <a:latin typeface="Arial" panose="020B0604020202020204" pitchFamily="34" charset="0"/>
-                <a:cs typeface="Arial" panose="020B0604020202020204" pitchFamily="34" charset="0"/>
-              </a:rPr>
-              <a:t> de la base de datos.</a:t>
+              <a:t>En mi caso la base de datos empleada es Supabase, que es una base de datos gratuita, es muy fácil de usar y ahora explicaré como usarla.</a:t>
             </a:r>
           </a:p>
         </p:txBody>
@@ -4497,15 +4460,6 @@
               <a:srgbClr val="C0C0C0"/>
             </a:contourClr>
           </a:sp3d>
-          <a:extLst>
-            <a:ext uri="{909E8E84-426E-40DD-AFC4-6F175D3DCCD1}">
-              <a14:hiddenFill xmlns:a14="http://schemas.microsoft.com/office/drawing/2010/main">
-                <a:solidFill>
-                  <a:srgbClr val="FFFFFF"/>
-                </a:solidFill>
-              </a14:hiddenFill>
-            </a:ext>
-          </a:extLst>
         </p:spPr>
       </p:pic>
     </p:spTree>

--- a/Aitor_Tercero_DAM.pptx
+++ b/Aitor_Tercero_DAM.pptx
@@ -280,7 +280,7 @@
           <a:p>
             <a:fld id="{412F8D47-3C15-4B86-9E23-08A3E47F8042}" type="datetimeFigureOut">
               <a:rPr lang="es-ES" smtClean="0"/>
-              <a:t>07/06/2022</a:t>
+              <a:t>09/06/2022</a:t>
             </a:fld>
             <a:endParaRPr lang="es-ES"/>
           </a:p>
@@ -478,7 +478,7 @@
           <a:p>
             <a:fld id="{412F8D47-3C15-4B86-9E23-08A3E47F8042}" type="datetimeFigureOut">
               <a:rPr lang="es-ES" smtClean="0"/>
-              <a:t>07/06/2022</a:t>
+              <a:t>09/06/2022</a:t>
             </a:fld>
             <a:endParaRPr lang="es-ES"/>
           </a:p>
@@ -686,7 +686,7 @@
           <a:p>
             <a:fld id="{412F8D47-3C15-4B86-9E23-08A3E47F8042}" type="datetimeFigureOut">
               <a:rPr lang="es-ES" smtClean="0"/>
-              <a:t>07/06/2022</a:t>
+              <a:t>09/06/2022</a:t>
             </a:fld>
             <a:endParaRPr lang="es-ES"/>
           </a:p>
@@ -884,7 +884,7 @@
           <a:p>
             <a:fld id="{412F8D47-3C15-4B86-9E23-08A3E47F8042}" type="datetimeFigureOut">
               <a:rPr lang="es-ES" smtClean="0"/>
-              <a:t>07/06/2022</a:t>
+              <a:t>09/06/2022</a:t>
             </a:fld>
             <a:endParaRPr lang="es-ES"/>
           </a:p>
@@ -1159,7 +1159,7 @@
           <a:p>
             <a:fld id="{412F8D47-3C15-4B86-9E23-08A3E47F8042}" type="datetimeFigureOut">
               <a:rPr lang="es-ES" smtClean="0"/>
-              <a:t>07/06/2022</a:t>
+              <a:t>09/06/2022</a:t>
             </a:fld>
             <a:endParaRPr lang="es-ES"/>
           </a:p>
@@ -1424,7 +1424,7 @@
           <a:p>
             <a:fld id="{412F8D47-3C15-4B86-9E23-08A3E47F8042}" type="datetimeFigureOut">
               <a:rPr lang="es-ES" smtClean="0"/>
-              <a:t>07/06/2022</a:t>
+              <a:t>09/06/2022</a:t>
             </a:fld>
             <a:endParaRPr lang="es-ES"/>
           </a:p>
@@ -1836,7 +1836,7 @@
           <a:p>
             <a:fld id="{412F8D47-3C15-4B86-9E23-08A3E47F8042}" type="datetimeFigureOut">
               <a:rPr lang="es-ES" smtClean="0"/>
-              <a:t>07/06/2022</a:t>
+              <a:t>09/06/2022</a:t>
             </a:fld>
             <a:endParaRPr lang="es-ES"/>
           </a:p>
@@ -1977,7 +1977,7 @@
           <a:p>
             <a:fld id="{412F8D47-3C15-4B86-9E23-08A3E47F8042}" type="datetimeFigureOut">
               <a:rPr lang="es-ES" smtClean="0"/>
-              <a:t>07/06/2022</a:t>
+              <a:t>09/06/2022</a:t>
             </a:fld>
             <a:endParaRPr lang="es-ES"/>
           </a:p>
@@ -2090,7 +2090,7 @@
           <a:p>
             <a:fld id="{412F8D47-3C15-4B86-9E23-08A3E47F8042}" type="datetimeFigureOut">
               <a:rPr lang="es-ES" smtClean="0"/>
-              <a:t>07/06/2022</a:t>
+              <a:t>09/06/2022</a:t>
             </a:fld>
             <a:endParaRPr lang="es-ES"/>
           </a:p>
@@ -2401,7 +2401,7 @@
           <a:p>
             <a:fld id="{412F8D47-3C15-4B86-9E23-08A3E47F8042}" type="datetimeFigureOut">
               <a:rPr lang="es-ES" smtClean="0"/>
-              <a:t>07/06/2022</a:t>
+              <a:t>09/06/2022</a:t>
             </a:fld>
             <a:endParaRPr lang="es-ES"/>
           </a:p>
@@ -2689,7 +2689,7 @@
           <a:p>
             <a:fld id="{412F8D47-3C15-4B86-9E23-08A3E47F8042}" type="datetimeFigureOut">
               <a:rPr lang="es-ES" smtClean="0"/>
-              <a:t>07/06/2022</a:t>
+              <a:t>09/06/2022</a:t>
             </a:fld>
             <a:endParaRPr lang="es-ES"/>
           </a:p>
@@ -2935,7 +2935,7 @@
           <a:p>
             <a:fld id="{412F8D47-3C15-4B86-9E23-08A3E47F8042}" type="datetimeFigureOut">
               <a:rPr lang="es-ES" smtClean="0"/>
-              <a:t>07/06/2022</a:t>
+              <a:t>09/06/2022</a:t>
             </a:fld>
             <a:endParaRPr lang="es-ES"/>
           </a:p>
@@ -3919,7 +3919,7 @@
                 <a:latin typeface="Arial" panose="020B0604020202020204" pitchFamily="34" charset="0"/>
                 <a:cs typeface="Arial" panose="020B0604020202020204" pitchFamily="34" charset="0"/>
               </a:rPr>
-              <a:t>Ayuda.</a:t>
+              <a:t>Ayuda y contacto.</a:t>
             </a:r>
           </a:p>
           <a:p>
@@ -5662,7 +5662,7 @@
         </p:nvSpPr>
         <p:spPr>
           <a:xfrm>
-            <a:off x="3771900" y="771525"/>
+            <a:off x="3771899" y="771525"/>
             <a:ext cx="4219575" cy="607370"/>
           </a:xfrm>
         </p:spPr>
@@ -5677,7 +5677,7 @@
                 <a:latin typeface="Arial" panose="020B0604020202020204" pitchFamily="34" charset="0"/>
                 <a:cs typeface="Arial" panose="020B0604020202020204" pitchFamily="34" charset="0"/>
               </a:rPr>
-              <a:t>AYUDA</a:t>
+              <a:t>AYUDA Y CONTACTO</a:t>
             </a:r>
           </a:p>
         </p:txBody>
@@ -5700,12 +5700,14 @@
         </p:nvSpPr>
         <p:spPr>
           <a:xfrm>
-            <a:off x="1309687" y="2601119"/>
+            <a:off x="1309686" y="2601119"/>
             <a:ext cx="9144000" cy="1655762"/>
           </a:xfrm>
         </p:spPr>
         <p:txBody>
-          <a:bodyPr/>
+          <a:bodyPr>
+            <a:normAutofit fontScale="85000" lnSpcReduction="20000"/>
+          </a:bodyPr>
           <a:lstStyle/>
           <a:p>
             <a:pPr algn="just"/>
@@ -5715,6 +5717,23 @@
                 <a:cs typeface="Arial" panose="020B0604020202020204" pitchFamily="34" charset="0"/>
               </a:rPr>
               <a:t>Se ha creado una página web de ayuda para poder facilitar a los usuarios el uso del contenido, ya que muchos no sabrán como es el funcionamiento de la página y así podrán disfrutar lo máximo posible.</a:t>
+            </a:r>
+          </a:p>
+          <a:p>
+            <a:pPr algn="just"/>
+            <a:endParaRPr lang="es-ES" dirty="0">
+              <a:latin typeface="Arial" panose="020B0604020202020204" pitchFamily="34" charset="0"/>
+              <a:cs typeface="Arial" panose="020B0604020202020204" pitchFamily="34" charset="0"/>
+            </a:endParaRPr>
+          </a:p>
+          <a:p>
+            <a:pPr algn="just"/>
+            <a:r>
+              <a:rPr lang="es-ES" dirty="0">
+                <a:latin typeface="Arial" panose="020B0604020202020204" pitchFamily="34" charset="0"/>
+                <a:cs typeface="Arial" panose="020B0604020202020204" pitchFamily="34" charset="0"/>
+              </a:rPr>
+              <a:t>Y una página de contacto, en el que aparecerán los datos de contacto de la empresa y nuestras redes sociales disponibles.</a:t>
             </a:r>
           </a:p>
         </p:txBody>

--- a/Aitor_Tercero_DAM.pptx
+++ b/Aitor_Tercero_DAM.pptx
@@ -5700,19 +5700,19 @@
         </p:nvSpPr>
         <p:spPr>
           <a:xfrm>
-            <a:off x="1309686" y="2601119"/>
+            <a:off x="1390008" y="2305844"/>
             <a:ext cx="9144000" cy="1655762"/>
           </a:xfrm>
         </p:spPr>
         <p:txBody>
           <a:bodyPr>
-            <a:normAutofit fontScale="85000" lnSpcReduction="20000"/>
+            <a:noAutofit/>
           </a:bodyPr>
           <a:lstStyle/>
           <a:p>
             <a:pPr algn="just"/>
             <a:r>
-              <a:rPr lang="es-ES" dirty="0">
+              <a:rPr lang="es-ES" sz="2500" dirty="0">
                 <a:latin typeface="Arial" panose="020B0604020202020204" pitchFamily="34" charset="0"/>
                 <a:cs typeface="Arial" panose="020B0604020202020204" pitchFamily="34" charset="0"/>
               </a:rPr>
@@ -5721,7 +5721,7 @@
           </a:p>
           <a:p>
             <a:pPr algn="just"/>
-            <a:endParaRPr lang="es-ES" dirty="0">
+            <a:endParaRPr lang="es-ES" sz="2500" dirty="0">
               <a:latin typeface="Arial" panose="020B0604020202020204" pitchFamily="34" charset="0"/>
               <a:cs typeface="Arial" panose="020B0604020202020204" pitchFamily="34" charset="0"/>
             </a:endParaRPr>
@@ -5729,7 +5729,7 @@
           <a:p>
             <a:pPr algn="just"/>
             <a:r>
-              <a:rPr lang="es-ES" dirty="0">
+              <a:rPr lang="es-ES" sz="2500" dirty="0">
                 <a:latin typeface="Arial" panose="020B0604020202020204" pitchFamily="34" charset="0"/>
                 <a:cs typeface="Arial" panose="020B0604020202020204" pitchFamily="34" charset="0"/>
               </a:rPr>
